--- a/Player_SpriteSheet_Index.pptx
+++ b/Player_SpriteSheet_Index.pptx
@@ -261,7 +261,7 @@
           <a:p>
             <a:fld id="{5BEF9B23-344F-40E0-9EA1-0FF57740264A}" type="datetimeFigureOut">
               <a:rPr lang="ko-KR" altLang="en-US" smtClean="0"/>
-              <a:t>2024-11-18</a:t>
+              <a:t>2024-11-27</a:t>
             </a:fld>
             <a:endParaRPr lang="ko-KR" altLang="en-US"/>
           </a:p>
@@ -459,7 +459,7 @@
           <a:p>
             <a:fld id="{5BEF9B23-344F-40E0-9EA1-0FF57740264A}" type="datetimeFigureOut">
               <a:rPr lang="ko-KR" altLang="en-US" smtClean="0"/>
-              <a:t>2024-11-18</a:t>
+              <a:t>2024-11-27</a:t>
             </a:fld>
             <a:endParaRPr lang="ko-KR" altLang="en-US"/>
           </a:p>
@@ -667,7 +667,7 @@
           <a:p>
             <a:fld id="{5BEF9B23-344F-40E0-9EA1-0FF57740264A}" type="datetimeFigureOut">
               <a:rPr lang="ko-KR" altLang="en-US" smtClean="0"/>
-              <a:t>2024-11-18</a:t>
+              <a:t>2024-11-27</a:t>
             </a:fld>
             <a:endParaRPr lang="ko-KR" altLang="en-US"/>
           </a:p>
@@ -865,7 +865,7 @@
           <a:p>
             <a:fld id="{5BEF9B23-344F-40E0-9EA1-0FF57740264A}" type="datetimeFigureOut">
               <a:rPr lang="ko-KR" altLang="en-US" smtClean="0"/>
-              <a:t>2024-11-18</a:t>
+              <a:t>2024-11-27</a:t>
             </a:fld>
             <a:endParaRPr lang="ko-KR" altLang="en-US"/>
           </a:p>
@@ -1140,7 +1140,7 @@
           <a:p>
             <a:fld id="{5BEF9B23-344F-40E0-9EA1-0FF57740264A}" type="datetimeFigureOut">
               <a:rPr lang="ko-KR" altLang="en-US" smtClean="0"/>
-              <a:t>2024-11-18</a:t>
+              <a:t>2024-11-27</a:t>
             </a:fld>
             <a:endParaRPr lang="ko-KR" altLang="en-US"/>
           </a:p>
@@ -1405,7 +1405,7 @@
           <a:p>
             <a:fld id="{5BEF9B23-344F-40E0-9EA1-0FF57740264A}" type="datetimeFigureOut">
               <a:rPr lang="ko-KR" altLang="en-US" smtClean="0"/>
-              <a:t>2024-11-18</a:t>
+              <a:t>2024-11-27</a:t>
             </a:fld>
             <a:endParaRPr lang="ko-KR" altLang="en-US"/>
           </a:p>
@@ -1817,7 +1817,7 @@
           <a:p>
             <a:fld id="{5BEF9B23-344F-40E0-9EA1-0FF57740264A}" type="datetimeFigureOut">
               <a:rPr lang="ko-KR" altLang="en-US" smtClean="0"/>
-              <a:t>2024-11-18</a:t>
+              <a:t>2024-11-27</a:t>
             </a:fld>
             <a:endParaRPr lang="ko-KR" altLang="en-US"/>
           </a:p>
@@ -1958,7 +1958,7 @@
           <a:p>
             <a:fld id="{5BEF9B23-344F-40E0-9EA1-0FF57740264A}" type="datetimeFigureOut">
               <a:rPr lang="ko-KR" altLang="en-US" smtClean="0"/>
-              <a:t>2024-11-18</a:t>
+              <a:t>2024-11-27</a:t>
             </a:fld>
             <a:endParaRPr lang="ko-KR" altLang="en-US"/>
           </a:p>
@@ -2071,7 +2071,7 @@
           <a:p>
             <a:fld id="{5BEF9B23-344F-40E0-9EA1-0FF57740264A}" type="datetimeFigureOut">
               <a:rPr lang="ko-KR" altLang="en-US" smtClean="0"/>
-              <a:t>2024-11-18</a:t>
+              <a:t>2024-11-27</a:t>
             </a:fld>
             <a:endParaRPr lang="ko-KR" altLang="en-US"/>
           </a:p>
@@ -2382,7 +2382,7 @@
           <a:p>
             <a:fld id="{5BEF9B23-344F-40E0-9EA1-0FF57740264A}" type="datetimeFigureOut">
               <a:rPr lang="ko-KR" altLang="en-US" smtClean="0"/>
-              <a:t>2024-11-18</a:t>
+              <a:t>2024-11-27</a:t>
             </a:fld>
             <a:endParaRPr lang="ko-KR" altLang="en-US"/>
           </a:p>
@@ -2670,7 +2670,7 @@
           <a:p>
             <a:fld id="{5BEF9B23-344F-40E0-9EA1-0FF57740264A}" type="datetimeFigureOut">
               <a:rPr lang="ko-KR" altLang="en-US" smtClean="0"/>
-              <a:t>2024-11-18</a:t>
+              <a:t>2024-11-27</a:t>
             </a:fld>
             <a:endParaRPr lang="ko-KR" altLang="en-US"/>
           </a:p>
@@ -2911,7 +2911,7 @@
           <a:p>
             <a:fld id="{5BEF9B23-344F-40E0-9EA1-0FF57740264A}" type="datetimeFigureOut">
               <a:rPr lang="ko-KR" altLang="en-US" smtClean="0"/>
-              <a:t>2024-11-18</a:t>
+              <a:t>2024-11-27</a:t>
             </a:fld>
             <a:endParaRPr lang="ko-KR" altLang="en-US"/>
           </a:p>
@@ -3406,7 +3406,7 @@
           <p:nvPr>
             <p:extLst>
               <p:ext uri="{D42A27DB-BD31-4B8C-83A1-F6EECF244321}">
-                <p14:modId xmlns:p14="http://schemas.microsoft.com/office/powerpoint/2010/main" val="465168998"/>
+                <p14:modId xmlns:p14="http://schemas.microsoft.com/office/powerpoint/2010/main" val="386281325"/>
               </p:ext>
             </p:extLst>
           </p:nvPr>
@@ -9477,261 +9477,325 @@
                     <a:lstStyle/>
                     <a:p>
                       <a:pPr algn="ctr" latinLnBrk="1"/>
-                      <a:endParaRPr lang="ko-KR" altLang="en-US" sz="600" b="1" dirty="0"/>
-                    </a:p>
-                  </a:txBody>
-                  <a:tcPr anchor="ctr">
-                    <a:solidFill>
-                      <a:schemeClr val="bg1">
-                        <a:alpha val="50000"/>
-                      </a:schemeClr>
-                    </a:solidFill>
-                  </a:tcPr>
-                </a:tc>
-                <a:tc>
-                  <a:txBody>
-                    <a:bodyPr/>
-                    <a:lstStyle/>
-                    <a:p>
-                      <a:pPr algn="ctr" latinLnBrk="1"/>
-                      <a:endParaRPr lang="ko-KR" altLang="en-US" sz="600" b="1" dirty="0"/>
-                    </a:p>
-                  </a:txBody>
-                  <a:tcPr anchor="ctr">
-                    <a:solidFill>
-                      <a:schemeClr val="bg1">
-                        <a:alpha val="50000"/>
-                      </a:schemeClr>
-                    </a:solidFill>
-                  </a:tcPr>
-                </a:tc>
-                <a:tc>
-                  <a:txBody>
-                    <a:bodyPr/>
-                    <a:lstStyle/>
-                    <a:p>
-                      <a:pPr algn="ctr" latinLnBrk="1"/>
-                      <a:endParaRPr lang="ko-KR" altLang="en-US" sz="600" b="1" dirty="0"/>
-                    </a:p>
-                  </a:txBody>
-                  <a:tcPr anchor="ctr">
-                    <a:solidFill>
-                      <a:schemeClr val="bg1">
-                        <a:alpha val="50000"/>
-                      </a:schemeClr>
-                    </a:solidFill>
-                  </a:tcPr>
-                </a:tc>
-                <a:tc>
-                  <a:txBody>
-                    <a:bodyPr/>
-                    <a:lstStyle/>
-                    <a:p>
-                      <a:pPr algn="ctr" latinLnBrk="1"/>
-                      <a:endParaRPr lang="ko-KR" altLang="en-US" sz="600" b="1" dirty="0"/>
-                    </a:p>
-                  </a:txBody>
-                  <a:tcPr anchor="ctr">
-                    <a:solidFill>
-                      <a:schemeClr val="bg1">
-                        <a:alpha val="50000"/>
-                      </a:schemeClr>
-                    </a:solidFill>
-                  </a:tcPr>
-                </a:tc>
-                <a:tc>
-                  <a:txBody>
-                    <a:bodyPr/>
-                    <a:lstStyle/>
-                    <a:p>
-                      <a:pPr algn="ctr" latinLnBrk="1"/>
-                      <a:endParaRPr lang="ko-KR" altLang="en-US" sz="600" b="1" dirty="0"/>
-                    </a:p>
-                  </a:txBody>
-                  <a:tcPr anchor="ctr">
-                    <a:solidFill>
-                      <a:schemeClr val="bg1">
-                        <a:alpha val="50000"/>
-                      </a:schemeClr>
-                    </a:solidFill>
-                  </a:tcPr>
-                </a:tc>
-                <a:tc>
-                  <a:txBody>
-                    <a:bodyPr/>
-                    <a:lstStyle/>
-                    <a:p>
-                      <a:pPr algn="ctr" latinLnBrk="1"/>
-                      <a:endParaRPr lang="ko-KR" altLang="en-US" sz="600" b="1" dirty="0"/>
-                    </a:p>
-                  </a:txBody>
-                  <a:tcPr anchor="ctr">
-                    <a:solidFill>
-                      <a:schemeClr val="bg1">
-                        <a:alpha val="50000"/>
-                      </a:schemeClr>
-                    </a:solidFill>
-                  </a:tcPr>
-                </a:tc>
-                <a:tc>
-                  <a:txBody>
-                    <a:bodyPr/>
-                    <a:lstStyle/>
-                    <a:p>
-                      <a:pPr algn="ctr" latinLnBrk="1"/>
-                      <a:endParaRPr lang="ko-KR" altLang="en-US" sz="600" b="1" dirty="0"/>
-                    </a:p>
-                  </a:txBody>
-                  <a:tcPr anchor="ctr">
-                    <a:solidFill>
-                      <a:schemeClr val="bg1">
-                        <a:alpha val="50000"/>
-                      </a:schemeClr>
-                    </a:solidFill>
-                  </a:tcPr>
-                </a:tc>
-                <a:tc>
-                  <a:txBody>
-                    <a:bodyPr/>
-                    <a:lstStyle/>
-                    <a:p>
-                      <a:pPr algn="ctr" latinLnBrk="1"/>
-                      <a:endParaRPr lang="ko-KR" altLang="en-US" sz="600" b="1" dirty="0"/>
-                    </a:p>
-                  </a:txBody>
-                  <a:tcPr anchor="ctr">
-                    <a:solidFill>
-                      <a:schemeClr val="bg1">
-                        <a:alpha val="50000"/>
-                      </a:schemeClr>
-                    </a:solidFill>
-                  </a:tcPr>
-                </a:tc>
-                <a:tc>
-                  <a:txBody>
-                    <a:bodyPr/>
-                    <a:lstStyle/>
-                    <a:p>
-                      <a:pPr algn="ctr" latinLnBrk="1"/>
-                      <a:endParaRPr lang="ko-KR" altLang="en-US" sz="600" b="1" dirty="0"/>
-                    </a:p>
-                  </a:txBody>
-                  <a:tcPr anchor="ctr">
-                    <a:solidFill>
-                      <a:schemeClr val="bg1">
-                        <a:alpha val="50000"/>
-                      </a:schemeClr>
-                    </a:solidFill>
-                  </a:tcPr>
-                </a:tc>
-                <a:tc>
-                  <a:txBody>
-                    <a:bodyPr/>
-                    <a:lstStyle/>
-                    <a:p>
-                      <a:pPr algn="ctr" latinLnBrk="1"/>
-                      <a:endParaRPr lang="ko-KR" altLang="en-US" sz="600" b="1" dirty="0"/>
-                    </a:p>
-                  </a:txBody>
-                  <a:tcPr anchor="ctr">
-                    <a:solidFill>
-                      <a:schemeClr val="bg1">
-                        <a:alpha val="50000"/>
-                      </a:schemeClr>
-                    </a:solidFill>
-                  </a:tcPr>
-                </a:tc>
-                <a:tc>
-                  <a:txBody>
-                    <a:bodyPr/>
-                    <a:lstStyle/>
-                    <a:p>
-                      <a:pPr algn="ctr" latinLnBrk="1"/>
-                      <a:endParaRPr lang="ko-KR" altLang="en-US" sz="600" b="1" dirty="0"/>
-                    </a:p>
-                  </a:txBody>
-                  <a:tcPr anchor="ctr">
-                    <a:solidFill>
-                      <a:schemeClr val="bg1">
-                        <a:alpha val="50000"/>
-                      </a:schemeClr>
-                    </a:solidFill>
-                  </a:tcPr>
-                </a:tc>
-                <a:tc>
-                  <a:txBody>
-                    <a:bodyPr/>
-                    <a:lstStyle/>
-                    <a:p>
-                      <a:pPr algn="ctr" latinLnBrk="1"/>
-                      <a:endParaRPr lang="ko-KR" altLang="en-US" sz="600" b="1" dirty="0"/>
-                    </a:p>
-                  </a:txBody>
-                  <a:tcPr anchor="ctr">
-                    <a:solidFill>
-                      <a:schemeClr val="bg1">
-                        <a:alpha val="50000"/>
-                      </a:schemeClr>
-                    </a:solidFill>
-                  </a:tcPr>
-                </a:tc>
-                <a:tc>
-                  <a:txBody>
-                    <a:bodyPr/>
-                    <a:lstStyle/>
-                    <a:p>
-                      <a:pPr algn="ctr" latinLnBrk="1"/>
-                      <a:endParaRPr lang="ko-KR" altLang="en-US" sz="600" b="1" dirty="0"/>
-                    </a:p>
-                  </a:txBody>
-                  <a:tcPr anchor="ctr">
-                    <a:solidFill>
-                      <a:schemeClr val="bg1">
-                        <a:alpha val="50000"/>
-                      </a:schemeClr>
-                    </a:solidFill>
-                  </a:tcPr>
-                </a:tc>
-                <a:tc>
-                  <a:txBody>
-                    <a:bodyPr/>
-                    <a:lstStyle/>
-                    <a:p>
-                      <a:pPr algn="ctr" latinLnBrk="1"/>
-                      <a:endParaRPr lang="ko-KR" altLang="en-US" sz="600" b="1" dirty="0"/>
-                    </a:p>
-                  </a:txBody>
-                  <a:tcPr anchor="ctr">
-                    <a:solidFill>
-                      <a:schemeClr val="bg1">
-                        <a:alpha val="50000"/>
-                      </a:schemeClr>
-                    </a:solidFill>
-                  </a:tcPr>
-                </a:tc>
-                <a:tc>
-                  <a:txBody>
-                    <a:bodyPr/>
-                    <a:lstStyle/>
-                    <a:p>
-                      <a:pPr algn="ctr" latinLnBrk="1"/>
-                      <a:endParaRPr lang="ko-KR" altLang="en-US" sz="600" b="1" dirty="0"/>
-                    </a:p>
-                  </a:txBody>
-                  <a:tcPr anchor="ctr">
-                    <a:solidFill>
-                      <a:schemeClr val="bg1">
-                        <a:alpha val="50000"/>
-                      </a:schemeClr>
-                    </a:solidFill>
-                  </a:tcPr>
-                </a:tc>
-                <a:tc>
-                  <a:txBody>
-                    <a:bodyPr/>
-                    <a:lstStyle/>
-                    <a:p>
-                      <a:pPr algn="ctr" latinLnBrk="1"/>
+                      <a:r>
+                        <a:rPr lang="en-US" altLang="ko-KR" sz="600" b="1" dirty="0"/>
+                        <a:t>589</a:t>
+                      </a:r>
+                      <a:endParaRPr lang="ko-KR" altLang="en-US" sz="600" b="1" dirty="0"/>
+                    </a:p>
+                  </a:txBody>
+                  <a:tcPr anchor="ctr">
+                    <a:solidFill>
+                      <a:schemeClr val="bg1">
+                        <a:alpha val="50000"/>
+                      </a:schemeClr>
+                    </a:solidFill>
+                  </a:tcPr>
+                </a:tc>
+                <a:tc>
+                  <a:txBody>
+                    <a:bodyPr/>
+                    <a:lstStyle/>
+                    <a:p>
+                      <a:pPr algn="ctr" latinLnBrk="1"/>
+                      <a:r>
+                        <a:rPr lang="en-US" altLang="ko-KR" sz="600" b="1" dirty="0"/>
+                        <a:t>590</a:t>
+                      </a:r>
+                      <a:endParaRPr lang="ko-KR" altLang="en-US" sz="600" b="1" dirty="0"/>
+                    </a:p>
+                  </a:txBody>
+                  <a:tcPr anchor="ctr">
+                    <a:solidFill>
+                      <a:schemeClr val="bg1">
+                        <a:alpha val="50000"/>
+                      </a:schemeClr>
+                    </a:solidFill>
+                  </a:tcPr>
+                </a:tc>
+                <a:tc>
+                  <a:txBody>
+                    <a:bodyPr/>
+                    <a:lstStyle/>
+                    <a:p>
+                      <a:pPr algn="ctr" latinLnBrk="1"/>
+                      <a:r>
+                        <a:rPr lang="en-US" altLang="ko-KR" sz="600" b="1" dirty="0"/>
+                        <a:t>591</a:t>
+                      </a:r>
+                      <a:endParaRPr lang="ko-KR" altLang="en-US" sz="600" b="1" dirty="0"/>
+                    </a:p>
+                  </a:txBody>
+                  <a:tcPr anchor="ctr">
+                    <a:solidFill>
+                      <a:schemeClr val="bg1">
+                        <a:alpha val="50000"/>
+                      </a:schemeClr>
+                    </a:solidFill>
+                  </a:tcPr>
+                </a:tc>
+                <a:tc>
+                  <a:txBody>
+                    <a:bodyPr/>
+                    <a:lstStyle/>
+                    <a:p>
+                      <a:pPr algn="ctr" latinLnBrk="1"/>
+                      <a:r>
+                        <a:rPr lang="en-US" altLang="ko-KR" sz="600" b="1" dirty="0"/>
+                        <a:t>592</a:t>
+                      </a:r>
+                      <a:endParaRPr lang="ko-KR" altLang="en-US" sz="600" b="1" dirty="0"/>
+                    </a:p>
+                  </a:txBody>
+                  <a:tcPr anchor="ctr">
+                    <a:solidFill>
+                      <a:schemeClr val="bg1">
+                        <a:alpha val="50000"/>
+                      </a:schemeClr>
+                    </a:solidFill>
+                  </a:tcPr>
+                </a:tc>
+                <a:tc>
+                  <a:txBody>
+                    <a:bodyPr/>
+                    <a:lstStyle/>
+                    <a:p>
+                      <a:pPr algn="ctr" latinLnBrk="1"/>
+                      <a:r>
+                        <a:rPr lang="en-US" altLang="ko-KR" sz="600" b="1" dirty="0"/>
+                        <a:t>593</a:t>
+                      </a:r>
+                      <a:endParaRPr lang="ko-KR" altLang="en-US" sz="600" b="1" dirty="0"/>
+                    </a:p>
+                  </a:txBody>
+                  <a:tcPr anchor="ctr">
+                    <a:solidFill>
+                      <a:schemeClr val="bg1">
+                        <a:alpha val="50000"/>
+                      </a:schemeClr>
+                    </a:solidFill>
+                  </a:tcPr>
+                </a:tc>
+                <a:tc>
+                  <a:txBody>
+                    <a:bodyPr/>
+                    <a:lstStyle/>
+                    <a:p>
+                      <a:pPr algn="ctr" latinLnBrk="1"/>
+                      <a:r>
+                        <a:rPr lang="en-US" altLang="ko-KR" sz="600" b="1" dirty="0"/>
+                        <a:t>594</a:t>
+                      </a:r>
+                      <a:endParaRPr lang="ko-KR" altLang="en-US" sz="600" b="1" dirty="0"/>
+                    </a:p>
+                  </a:txBody>
+                  <a:tcPr anchor="ctr">
+                    <a:solidFill>
+                      <a:schemeClr val="bg1">
+                        <a:alpha val="50000"/>
+                      </a:schemeClr>
+                    </a:solidFill>
+                  </a:tcPr>
+                </a:tc>
+                <a:tc>
+                  <a:txBody>
+                    <a:bodyPr/>
+                    <a:lstStyle/>
+                    <a:p>
+                      <a:pPr algn="ctr" latinLnBrk="1"/>
+                      <a:r>
+                        <a:rPr lang="en-US" altLang="ko-KR" sz="600" b="1" dirty="0"/>
+                        <a:t>595</a:t>
+                      </a:r>
+                      <a:endParaRPr lang="ko-KR" altLang="en-US" sz="600" b="1" dirty="0"/>
+                    </a:p>
+                  </a:txBody>
+                  <a:tcPr anchor="ctr">
+                    <a:solidFill>
+                      <a:schemeClr val="bg1">
+                        <a:alpha val="50000"/>
+                      </a:schemeClr>
+                    </a:solidFill>
+                  </a:tcPr>
+                </a:tc>
+                <a:tc>
+                  <a:txBody>
+                    <a:bodyPr/>
+                    <a:lstStyle/>
+                    <a:p>
+                      <a:pPr algn="ctr" latinLnBrk="1"/>
+                      <a:r>
+                        <a:rPr lang="en-US" altLang="ko-KR" sz="600" b="1" dirty="0"/>
+                        <a:t>596</a:t>
+                      </a:r>
+                      <a:endParaRPr lang="ko-KR" altLang="en-US" sz="600" b="1" dirty="0"/>
+                    </a:p>
+                  </a:txBody>
+                  <a:tcPr anchor="ctr">
+                    <a:solidFill>
+                      <a:schemeClr val="bg1">
+                        <a:alpha val="50000"/>
+                      </a:schemeClr>
+                    </a:solidFill>
+                  </a:tcPr>
+                </a:tc>
+                <a:tc>
+                  <a:txBody>
+                    <a:bodyPr/>
+                    <a:lstStyle/>
+                    <a:p>
+                      <a:pPr algn="ctr" latinLnBrk="1"/>
+                      <a:r>
+                        <a:rPr lang="en-US" altLang="ko-KR" sz="600" b="1" dirty="0"/>
+                        <a:t>597</a:t>
+                      </a:r>
+                      <a:endParaRPr lang="ko-KR" altLang="en-US" sz="600" b="1" dirty="0"/>
+                    </a:p>
+                  </a:txBody>
+                  <a:tcPr anchor="ctr">
+                    <a:solidFill>
+                      <a:schemeClr val="bg1">
+                        <a:alpha val="50000"/>
+                      </a:schemeClr>
+                    </a:solidFill>
+                  </a:tcPr>
+                </a:tc>
+                <a:tc>
+                  <a:txBody>
+                    <a:bodyPr/>
+                    <a:lstStyle/>
+                    <a:p>
+                      <a:pPr algn="ctr" latinLnBrk="1"/>
+                      <a:r>
+                        <a:rPr lang="en-US" altLang="ko-KR" sz="600" b="1" dirty="0"/>
+                        <a:t>598</a:t>
+                      </a:r>
+                      <a:endParaRPr lang="ko-KR" altLang="en-US" sz="600" b="1" dirty="0"/>
+                    </a:p>
+                  </a:txBody>
+                  <a:tcPr anchor="ctr">
+                    <a:solidFill>
+                      <a:schemeClr val="bg1">
+                        <a:alpha val="50000"/>
+                      </a:schemeClr>
+                    </a:solidFill>
+                  </a:tcPr>
+                </a:tc>
+                <a:tc>
+                  <a:txBody>
+                    <a:bodyPr/>
+                    <a:lstStyle/>
+                    <a:p>
+                      <a:pPr algn="ctr" latinLnBrk="1"/>
+                      <a:r>
+                        <a:rPr lang="en-US" altLang="ko-KR" sz="600" b="1" dirty="0"/>
+                        <a:t>599</a:t>
+                      </a:r>
+                      <a:endParaRPr lang="ko-KR" altLang="en-US" sz="600" b="1" dirty="0"/>
+                    </a:p>
+                  </a:txBody>
+                  <a:tcPr anchor="ctr">
+                    <a:solidFill>
+                      <a:schemeClr val="bg1">
+                        <a:alpha val="50000"/>
+                      </a:schemeClr>
+                    </a:solidFill>
+                  </a:tcPr>
+                </a:tc>
+                <a:tc>
+                  <a:txBody>
+                    <a:bodyPr/>
+                    <a:lstStyle/>
+                    <a:p>
+                      <a:pPr algn="ctr" latinLnBrk="1"/>
+                      <a:r>
+                        <a:rPr lang="en-US" altLang="ko-KR" sz="600" b="1" dirty="0"/>
+                        <a:t>600</a:t>
+                      </a:r>
+                      <a:endParaRPr lang="ko-KR" altLang="en-US" sz="600" b="1" dirty="0"/>
+                    </a:p>
+                  </a:txBody>
+                  <a:tcPr anchor="ctr">
+                    <a:solidFill>
+                      <a:schemeClr val="bg1">
+                        <a:alpha val="50000"/>
+                      </a:schemeClr>
+                    </a:solidFill>
+                  </a:tcPr>
+                </a:tc>
+                <a:tc>
+                  <a:txBody>
+                    <a:bodyPr/>
+                    <a:lstStyle/>
+                    <a:p>
+                      <a:pPr algn="ctr" latinLnBrk="1"/>
+                      <a:r>
+                        <a:rPr lang="en-US" altLang="ko-KR" sz="600" b="1" dirty="0"/>
+                        <a:t>601</a:t>
+                      </a:r>
+                      <a:endParaRPr lang="ko-KR" altLang="en-US" sz="600" b="1" dirty="0"/>
+                    </a:p>
+                  </a:txBody>
+                  <a:tcPr anchor="ctr">
+                    <a:solidFill>
+                      <a:schemeClr val="bg1">
+                        <a:alpha val="50000"/>
+                      </a:schemeClr>
+                    </a:solidFill>
+                  </a:tcPr>
+                </a:tc>
+                <a:tc>
+                  <a:txBody>
+                    <a:bodyPr/>
+                    <a:lstStyle/>
+                    <a:p>
+                      <a:pPr algn="ctr" latinLnBrk="1"/>
+                      <a:r>
+                        <a:rPr lang="en-US" altLang="ko-KR" sz="600" b="1" dirty="0"/>
+                        <a:t>602</a:t>
+                      </a:r>
+                      <a:endParaRPr lang="ko-KR" altLang="en-US" sz="600" b="1" dirty="0"/>
+                    </a:p>
+                  </a:txBody>
+                  <a:tcPr anchor="ctr">
+                    <a:solidFill>
+                      <a:schemeClr val="bg1">
+                        <a:alpha val="50000"/>
+                      </a:schemeClr>
+                    </a:solidFill>
+                  </a:tcPr>
+                </a:tc>
+                <a:tc>
+                  <a:txBody>
+                    <a:bodyPr/>
+                    <a:lstStyle/>
+                    <a:p>
+                      <a:pPr algn="ctr" latinLnBrk="1"/>
+                      <a:r>
+                        <a:rPr lang="en-US" altLang="ko-KR" sz="600" b="1" dirty="0"/>
+                        <a:t>603</a:t>
+                      </a:r>
+                      <a:endParaRPr lang="ko-KR" altLang="en-US" sz="600" b="1" dirty="0"/>
+                    </a:p>
+                  </a:txBody>
+                  <a:tcPr anchor="ctr">
+                    <a:solidFill>
+                      <a:schemeClr val="bg1">
+                        <a:alpha val="50000"/>
+                      </a:schemeClr>
+                    </a:solidFill>
+                  </a:tcPr>
+                </a:tc>
+                <a:tc>
+                  <a:txBody>
+                    <a:bodyPr/>
+                    <a:lstStyle/>
+                    <a:p>
+                      <a:pPr algn="ctr" latinLnBrk="1"/>
+                      <a:r>
+                        <a:rPr lang="en-US" altLang="ko-KR" sz="600" b="1" dirty="0"/>
+                        <a:t>604</a:t>
+                      </a:r>
                       <a:endParaRPr lang="ko-KR" altLang="en-US" sz="600" b="1" dirty="0"/>
                     </a:p>
                   </a:txBody>
@@ -10080,261 +10144,325 @@
                     <a:lstStyle/>
                     <a:p>
                       <a:pPr algn="ctr" latinLnBrk="1"/>
-                      <a:endParaRPr lang="ko-KR" altLang="en-US" sz="600" b="1" dirty="0"/>
-                    </a:p>
-                  </a:txBody>
-                  <a:tcPr anchor="ctr">
-                    <a:solidFill>
-                      <a:schemeClr val="bg1">
-                        <a:alpha val="50000"/>
-                      </a:schemeClr>
-                    </a:solidFill>
-                  </a:tcPr>
-                </a:tc>
-                <a:tc>
-                  <a:txBody>
-                    <a:bodyPr/>
-                    <a:lstStyle/>
-                    <a:p>
-                      <a:pPr algn="ctr" latinLnBrk="1"/>
-                      <a:endParaRPr lang="ko-KR" altLang="en-US" sz="600" b="1" dirty="0"/>
-                    </a:p>
-                  </a:txBody>
-                  <a:tcPr anchor="ctr">
-                    <a:solidFill>
-                      <a:schemeClr val="bg1">
-                        <a:alpha val="50000"/>
-                      </a:schemeClr>
-                    </a:solidFill>
-                  </a:tcPr>
-                </a:tc>
-                <a:tc>
-                  <a:txBody>
-                    <a:bodyPr/>
-                    <a:lstStyle/>
-                    <a:p>
-                      <a:pPr algn="ctr" latinLnBrk="1"/>
-                      <a:endParaRPr lang="ko-KR" altLang="en-US" sz="600" b="1" dirty="0"/>
-                    </a:p>
-                  </a:txBody>
-                  <a:tcPr anchor="ctr">
-                    <a:solidFill>
-                      <a:schemeClr val="bg1">
-                        <a:alpha val="50000"/>
-                      </a:schemeClr>
-                    </a:solidFill>
-                  </a:tcPr>
-                </a:tc>
-                <a:tc>
-                  <a:txBody>
-                    <a:bodyPr/>
-                    <a:lstStyle/>
-                    <a:p>
-                      <a:pPr algn="ctr" latinLnBrk="1"/>
-                      <a:endParaRPr lang="ko-KR" altLang="en-US" sz="600" b="1" dirty="0"/>
-                    </a:p>
-                  </a:txBody>
-                  <a:tcPr anchor="ctr">
-                    <a:solidFill>
-                      <a:schemeClr val="bg1">
-                        <a:alpha val="50000"/>
-                      </a:schemeClr>
-                    </a:solidFill>
-                  </a:tcPr>
-                </a:tc>
-                <a:tc>
-                  <a:txBody>
-                    <a:bodyPr/>
-                    <a:lstStyle/>
-                    <a:p>
-                      <a:pPr algn="ctr" latinLnBrk="1"/>
-                      <a:endParaRPr lang="ko-KR" altLang="en-US" sz="600" b="1" dirty="0"/>
-                    </a:p>
-                  </a:txBody>
-                  <a:tcPr anchor="ctr">
-                    <a:solidFill>
-                      <a:schemeClr val="bg1">
-                        <a:alpha val="50000"/>
-                      </a:schemeClr>
-                    </a:solidFill>
-                  </a:tcPr>
-                </a:tc>
-                <a:tc>
-                  <a:txBody>
-                    <a:bodyPr/>
-                    <a:lstStyle/>
-                    <a:p>
-                      <a:pPr algn="ctr" latinLnBrk="1"/>
-                      <a:endParaRPr lang="ko-KR" altLang="en-US" sz="600" b="1" dirty="0"/>
-                    </a:p>
-                  </a:txBody>
-                  <a:tcPr anchor="ctr">
-                    <a:solidFill>
-                      <a:schemeClr val="bg1">
-                        <a:alpha val="50000"/>
-                      </a:schemeClr>
-                    </a:solidFill>
-                  </a:tcPr>
-                </a:tc>
-                <a:tc>
-                  <a:txBody>
-                    <a:bodyPr/>
-                    <a:lstStyle/>
-                    <a:p>
-                      <a:pPr algn="ctr" latinLnBrk="1"/>
-                      <a:endParaRPr lang="ko-KR" altLang="en-US" sz="600" b="1" dirty="0"/>
-                    </a:p>
-                  </a:txBody>
-                  <a:tcPr anchor="ctr">
-                    <a:solidFill>
-                      <a:schemeClr val="bg1">
-                        <a:alpha val="50000"/>
-                      </a:schemeClr>
-                    </a:solidFill>
-                  </a:tcPr>
-                </a:tc>
-                <a:tc>
-                  <a:txBody>
-                    <a:bodyPr/>
-                    <a:lstStyle/>
-                    <a:p>
-                      <a:pPr algn="ctr" latinLnBrk="1"/>
-                      <a:endParaRPr lang="ko-KR" altLang="en-US" sz="600" b="1" dirty="0"/>
-                    </a:p>
-                  </a:txBody>
-                  <a:tcPr anchor="ctr">
-                    <a:solidFill>
-                      <a:schemeClr val="bg1">
-                        <a:alpha val="50000"/>
-                      </a:schemeClr>
-                    </a:solidFill>
-                  </a:tcPr>
-                </a:tc>
-                <a:tc>
-                  <a:txBody>
-                    <a:bodyPr/>
-                    <a:lstStyle/>
-                    <a:p>
-                      <a:pPr algn="ctr" latinLnBrk="1"/>
-                      <a:endParaRPr lang="ko-KR" altLang="en-US" sz="600" b="1" dirty="0"/>
-                    </a:p>
-                  </a:txBody>
-                  <a:tcPr anchor="ctr">
-                    <a:solidFill>
-                      <a:schemeClr val="bg1">
-                        <a:alpha val="50000"/>
-                      </a:schemeClr>
-                    </a:solidFill>
-                  </a:tcPr>
-                </a:tc>
-                <a:tc>
-                  <a:txBody>
-                    <a:bodyPr/>
-                    <a:lstStyle/>
-                    <a:p>
-                      <a:pPr algn="ctr" latinLnBrk="1"/>
-                      <a:endParaRPr lang="ko-KR" altLang="en-US" sz="600" b="1" dirty="0"/>
-                    </a:p>
-                  </a:txBody>
-                  <a:tcPr anchor="ctr">
-                    <a:solidFill>
-                      <a:schemeClr val="bg1">
-                        <a:alpha val="50000"/>
-                      </a:schemeClr>
-                    </a:solidFill>
-                  </a:tcPr>
-                </a:tc>
-                <a:tc>
-                  <a:txBody>
-                    <a:bodyPr/>
-                    <a:lstStyle/>
-                    <a:p>
-                      <a:pPr algn="ctr" latinLnBrk="1"/>
-                      <a:endParaRPr lang="ko-KR" altLang="en-US" sz="600" b="1" dirty="0"/>
-                    </a:p>
-                  </a:txBody>
-                  <a:tcPr anchor="ctr">
-                    <a:solidFill>
-                      <a:schemeClr val="bg1">
-                        <a:alpha val="50000"/>
-                      </a:schemeClr>
-                    </a:solidFill>
-                  </a:tcPr>
-                </a:tc>
-                <a:tc>
-                  <a:txBody>
-                    <a:bodyPr/>
-                    <a:lstStyle/>
-                    <a:p>
-                      <a:pPr algn="ctr" latinLnBrk="1"/>
-                      <a:endParaRPr lang="ko-KR" altLang="en-US" sz="600" b="1" dirty="0"/>
-                    </a:p>
-                  </a:txBody>
-                  <a:tcPr anchor="ctr">
-                    <a:solidFill>
-                      <a:schemeClr val="bg1">
-                        <a:alpha val="50000"/>
-                      </a:schemeClr>
-                    </a:solidFill>
-                  </a:tcPr>
-                </a:tc>
-                <a:tc>
-                  <a:txBody>
-                    <a:bodyPr/>
-                    <a:lstStyle/>
-                    <a:p>
-                      <a:pPr algn="ctr" latinLnBrk="1"/>
-                      <a:endParaRPr lang="ko-KR" altLang="en-US" sz="600" b="1" dirty="0"/>
-                    </a:p>
-                  </a:txBody>
-                  <a:tcPr anchor="ctr">
-                    <a:solidFill>
-                      <a:schemeClr val="bg1">
-                        <a:alpha val="50000"/>
-                      </a:schemeClr>
-                    </a:solidFill>
-                  </a:tcPr>
-                </a:tc>
-                <a:tc>
-                  <a:txBody>
-                    <a:bodyPr/>
-                    <a:lstStyle/>
-                    <a:p>
-                      <a:pPr algn="ctr" latinLnBrk="1"/>
-                      <a:endParaRPr lang="ko-KR" altLang="en-US" sz="600" b="1" dirty="0"/>
-                    </a:p>
-                  </a:txBody>
-                  <a:tcPr anchor="ctr">
-                    <a:solidFill>
-                      <a:schemeClr val="bg1">
-                        <a:alpha val="50000"/>
-                      </a:schemeClr>
-                    </a:solidFill>
-                  </a:tcPr>
-                </a:tc>
-                <a:tc>
-                  <a:txBody>
-                    <a:bodyPr/>
-                    <a:lstStyle/>
-                    <a:p>
-                      <a:pPr algn="ctr" latinLnBrk="1"/>
-                      <a:endParaRPr lang="ko-KR" altLang="en-US" sz="600" b="1" dirty="0"/>
-                    </a:p>
-                  </a:txBody>
-                  <a:tcPr anchor="ctr">
-                    <a:solidFill>
-                      <a:schemeClr val="bg1">
-                        <a:alpha val="50000"/>
-                      </a:schemeClr>
-                    </a:solidFill>
-                  </a:tcPr>
-                </a:tc>
-                <a:tc>
-                  <a:txBody>
-                    <a:bodyPr/>
-                    <a:lstStyle/>
-                    <a:p>
-                      <a:pPr algn="ctr" latinLnBrk="1"/>
+                      <a:r>
+                        <a:rPr lang="en-US" altLang="ko-KR" sz="600" b="1" dirty="0"/>
+                        <a:t>621</a:t>
+                      </a:r>
+                      <a:endParaRPr lang="ko-KR" altLang="en-US" sz="600" b="1" dirty="0"/>
+                    </a:p>
+                  </a:txBody>
+                  <a:tcPr anchor="ctr">
+                    <a:solidFill>
+                      <a:schemeClr val="bg1">
+                        <a:alpha val="50000"/>
+                      </a:schemeClr>
+                    </a:solidFill>
+                  </a:tcPr>
+                </a:tc>
+                <a:tc>
+                  <a:txBody>
+                    <a:bodyPr/>
+                    <a:lstStyle/>
+                    <a:p>
+                      <a:pPr algn="ctr" latinLnBrk="1"/>
+                      <a:r>
+                        <a:rPr lang="en-US" altLang="ko-KR" sz="600" b="1" dirty="0"/>
+                        <a:t>622</a:t>
+                      </a:r>
+                      <a:endParaRPr lang="ko-KR" altLang="en-US" sz="600" b="1" dirty="0"/>
+                    </a:p>
+                  </a:txBody>
+                  <a:tcPr anchor="ctr">
+                    <a:solidFill>
+                      <a:schemeClr val="bg1">
+                        <a:alpha val="50000"/>
+                      </a:schemeClr>
+                    </a:solidFill>
+                  </a:tcPr>
+                </a:tc>
+                <a:tc>
+                  <a:txBody>
+                    <a:bodyPr/>
+                    <a:lstStyle/>
+                    <a:p>
+                      <a:pPr algn="ctr" latinLnBrk="1"/>
+                      <a:r>
+                        <a:rPr lang="en-US" altLang="ko-KR" sz="600" b="1" dirty="0"/>
+                        <a:t>623</a:t>
+                      </a:r>
+                      <a:endParaRPr lang="ko-KR" altLang="en-US" sz="600" b="1" dirty="0"/>
+                    </a:p>
+                  </a:txBody>
+                  <a:tcPr anchor="ctr">
+                    <a:solidFill>
+                      <a:schemeClr val="bg1">
+                        <a:alpha val="50000"/>
+                      </a:schemeClr>
+                    </a:solidFill>
+                  </a:tcPr>
+                </a:tc>
+                <a:tc>
+                  <a:txBody>
+                    <a:bodyPr/>
+                    <a:lstStyle/>
+                    <a:p>
+                      <a:pPr algn="ctr" latinLnBrk="1"/>
+                      <a:r>
+                        <a:rPr lang="en-US" altLang="ko-KR" sz="600" b="1" dirty="0"/>
+                        <a:t>624</a:t>
+                      </a:r>
+                      <a:endParaRPr lang="ko-KR" altLang="en-US" sz="600" b="1" dirty="0"/>
+                    </a:p>
+                  </a:txBody>
+                  <a:tcPr anchor="ctr">
+                    <a:solidFill>
+                      <a:schemeClr val="bg1">
+                        <a:alpha val="50000"/>
+                      </a:schemeClr>
+                    </a:solidFill>
+                  </a:tcPr>
+                </a:tc>
+                <a:tc>
+                  <a:txBody>
+                    <a:bodyPr/>
+                    <a:lstStyle/>
+                    <a:p>
+                      <a:pPr algn="ctr" latinLnBrk="1"/>
+                      <a:r>
+                        <a:rPr lang="en-US" altLang="ko-KR" sz="600" b="1" dirty="0"/>
+                        <a:t>625</a:t>
+                      </a:r>
+                      <a:endParaRPr lang="ko-KR" altLang="en-US" sz="600" b="1" dirty="0"/>
+                    </a:p>
+                  </a:txBody>
+                  <a:tcPr anchor="ctr">
+                    <a:solidFill>
+                      <a:schemeClr val="bg1">
+                        <a:alpha val="50000"/>
+                      </a:schemeClr>
+                    </a:solidFill>
+                  </a:tcPr>
+                </a:tc>
+                <a:tc>
+                  <a:txBody>
+                    <a:bodyPr/>
+                    <a:lstStyle/>
+                    <a:p>
+                      <a:pPr algn="ctr" latinLnBrk="1"/>
+                      <a:r>
+                        <a:rPr lang="en-US" altLang="ko-KR" sz="600" b="1" dirty="0"/>
+                        <a:t>626</a:t>
+                      </a:r>
+                      <a:endParaRPr lang="ko-KR" altLang="en-US" sz="600" b="1" dirty="0"/>
+                    </a:p>
+                  </a:txBody>
+                  <a:tcPr anchor="ctr">
+                    <a:solidFill>
+                      <a:schemeClr val="bg1">
+                        <a:alpha val="50000"/>
+                      </a:schemeClr>
+                    </a:solidFill>
+                  </a:tcPr>
+                </a:tc>
+                <a:tc>
+                  <a:txBody>
+                    <a:bodyPr/>
+                    <a:lstStyle/>
+                    <a:p>
+                      <a:pPr algn="ctr" latinLnBrk="1"/>
+                      <a:r>
+                        <a:rPr lang="en-US" altLang="ko-KR" sz="600" b="1" dirty="0"/>
+                        <a:t>627</a:t>
+                      </a:r>
+                      <a:endParaRPr lang="ko-KR" altLang="en-US" sz="600" b="1" dirty="0"/>
+                    </a:p>
+                  </a:txBody>
+                  <a:tcPr anchor="ctr">
+                    <a:solidFill>
+                      <a:schemeClr val="bg1">
+                        <a:alpha val="50000"/>
+                      </a:schemeClr>
+                    </a:solidFill>
+                  </a:tcPr>
+                </a:tc>
+                <a:tc>
+                  <a:txBody>
+                    <a:bodyPr/>
+                    <a:lstStyle/>
+                    <a:p>
+                      <a:pPr algn="ctr" latinLnBrk="1"/>
+                      <a:r>
+                        <a:rPr lang="en-US" altLang="ko-KR" sz="600" b="1" dirty="0"/>
+                        <a:t>628</a:t>
+                      </a:r>
+                      <a:endParaRPr lang="ko-KR" altLang="en-US" sz="600" b="1" dirty="0"/>
+                    </a:p>
+                  </a:txBody>
+                  <a:tcPr anchor="ctr">
+                    <a:solidFill>
+                      <a:schemeClr val="bg1">
+                        <a:alpha val="50000"/>
+                      </a:schemeClr>
+                    </a:solidFill>
+                  </a:tcPr>
+                </a:tc>
+                <a:tc>
+                  <a:txBody>
+                    <a:bodyPr/>
+                    <a:lstStyle/>
+                    <a:p>
+                      <a:pPr algn="ctr" latinLnBrk="1"/>
+                      <a:r>
+                        <a:rPr lang="en-US" altLang="ko-KR" sz="600" b="1" dirty="0"/>
+                        <a:t>629</a:t>
+                      </a:r>
+                      <a:endParaRPr lang="ko-KR" altLang="en-US" sz="600" b="1" dirty="0"/>
+                    </a:p>
+                  </a:txBody>
+                  <a:tcPr anchor="ctr">
+                    <a:solidFill>
+                      <a:schemeClr val="bg1">
+                        <a:alpha val="50000"/>
+                      </a:schemeClr>
+                    </a:solidFill>
+                  </a:tcPr>
+                </a:tc>
+                <a:tc>
+                  <a:txBody>
+                    <a:bodyPr/>
+                    <a:lstStyle/>
+                    <a:p>
+                      <a:pPr algn="ctr" latinLnBrk="1"/>
+                      <a:r>
+                        <a:rPr lang="en-US" altLang="ko-KR" sz="600" b="1" dirty="0"/>
+                        <a:t>630</a:t>
+                      </a:r>
+                      <a:endParaRPr lang="ko-KR" altLang="en-US" sz="600" b="1" dirty="0"/>
+                    </a:p>
+                  </a:txBody>
+                  <a:tcPr anchor="ctr">
+                    <a:solidFill>
+                      <a:schemeClr val="bg1">
+                        <a:alpha val="50000"/>
+                      </a:schemeClr>
+                    </a:solidFill>
+                  </a:tcPr>
+                </a:tc>
+                <a:tc>
+                  <a:txBody>
+                    <a:bodyPr/>
+                    <a:lstStyle/>
+                    <a:p>
+                      <a:pPr algn="ctr" latinLnBrk="1"/>
+                      <a:r>
+                        <a:rPr lang="en-US" altLang="ko-KR" sz="600" b="1" dirty="0"/>
+                        <a:t>631</a:t>
+                      </a:r>
+                      <a:endParaRPr lang="ko-KR" altLang="en-US" sz="600" b="1" dirty="0"/>
+                    </a:p>
+                  </a:txBody>
+                  <a:tcPr anchor="ctr">
+                    <a:solidFill>
+                      <a:schemeClr val="bg1">
+                        <a:alpha val="50000"/>
+                      </a:schemeClr>
+                    </a:solidFill>
+                  </a:tcPr>
+                </a:tc>
+                <a:tc>
+                  <a:txBody>
+                    <a:bodyPr/>
+                    <a:lstStyle/>
+                    <a:p>
+                      <a:pPr algn="ctr" latinLnBrk="1"/>
+                      <a:r>
+                        <a:rPr lang="en-US" altLang="ko-KR" sz="600" b="1" dirty="0"/>
+                        <a:t>632</a:t>
+                      </a:r>
+                      <a:endParaRPr lang="ko-KR" altLang="en-US" sz="600" b="1" dirty="0"/>
+                    </a:p>
+                  </a:txBody>
+                  <a:tcPr anchor="ctr">
+                    <a:solidFill>
+                      <a:schemeClr val="bg1">
+                        <a:alpha val="50000"/>
+                      </a:schemeClr>
+                    </a:solidFill>
+                  </a:tcPr>
+                </a:tc>
+                <a:tc>
+                  <a:txBody>
+                    <a:bodyPr/>
+                    <a:lstStyle/>
+                    <a:p>
+                      <a:pPr algn="ctr" latinLnBrk="1"/>
+                      <a:r>
+                        <a:rPr lang="en-US" altLang="ko-KR" sz="600" b="1" dirty="0"/>
+                        <a:t>633</a:t>
+                      </a:r>
+                      <a:endParaRPr lang="ko-KR" altLang="en-US" sz="600" b="1" dirty="0"/>
+                    </a:p>
+                  </a:txBody>
+                  <a:tcPr anchor="ctr">
+                    <a:solidFill>
+                      <a:schemeClr val="bg1">
+                        <a:alpha val="50000"/>
+                      </a:schemeClr>
+                    </a:solidFill>
+                  </a:tcPr>
+                </a:tc>
+                <a:tc>
+                  <a:txBody>
+                    <a:bodyPr/>
+                    <a:lstStyle/>
+                    <a:p>
+                      <a:pPr algn="ctr" latinLnBrk="1"/>
+                      <a:r>
+                        <a:rPr lang="en-US" altLang="ko-KR" sz="600" b="1" dirty="0"/>
+                        <a:t>634</a:t>
+                      </a:r>
+                      <a:endParaRPr lang="ko-KR" altLang="en-US" sz="600" b="1" dirty="0"/>
+                    </a:p>
+                  </a:txBody>
+                  <a:tcPr anchor="ctr">
+                    <a:solidFill>
+                      <a:schemeClr val="bg1">
+                        <a:alpha val="50000"/>
+                      </a:schemeClr>
+                    </a:solidFill>
+                  </a:tcPr>
+                </a:tc>
+                <a:tc>
+                  <a:txBody>
+                    <a:bodyPr/>
+                    <a:lstStyle/>
+                    <a:p>
+                      <a:pPr algn="ctr" latinLnBrk="1"/>
+                      <a:r>
+                        <a:rPr lang="en-US" altLang="ko-KR" sz="600" b="1" dirty="0"/>
+                        <a:t>635</a:t>
+                      </a:r>
+                      <a:endParaRPr lang="ko-KR" altLang="en-US" sz="600" b="1" dirty="0"/>
+                    </a:p>
+                  </a:txBody>
+                  <a:tcPr anchor="ctr">
+                    <a:solidFill>
+                      <a:schemeClr val="bg1">
+                        <a:alpha val="50000"/>
+                      </a:schemeClr>
+                    </a:solidFill>
+                  </a:tcPr>
+                </a:tc>
+                <a:tc>
+                  <a:txBody>
+                    <a:bodyPr/>
+                    <a:lstStyle/>
+                    <a:p>
+                      <a:pPr algn="ctr" latinLnBrk="1"/>
+                      <a:r>
+                        <a:rPr lang="en-US" altLang="ko-KR" sz="600" b="1" dirty="0"/>
+                        <a:t>636</a:t>
+                      </a:r>
                       <a:endParaRPr lang="ko-KR" altLang="en-US" sz="600" b="1" dirty="0"/>
                     </a:p>
                   </a:txBody>
